--- a/assets/artefatos/Mini curso - Codeigniter.pptx
+++ b/assets/artefatos/Mini curso - Codeigniter.pptx
@@ -21,6 +21,8 @@
     <p:sldId id="269" r:id="rId15"/>
     <p:sldId id="270" r:id="rId16"/>
     <p:sldId id="271" r:id="rId17"/>
+    <p:sldId id="272" r:id="rId18"/>
+    <p:sldId id="273" r:id="rId19"/>
   </p:sldIdLst>
   <p:sldSz cx="9144000" cy="6858000" type="screen4x3"/>
   <p:notesSz cx="6858000" cy="9144000"/>
@@ -371,7 +373,7 @@
             <a:fld id="{106B4C27-9D84-455E-BCC2-81755D482C45}" type="datetimeFigureOut">
               <a:rPr lang="pt-BR" smtClean="0"/>
               <a:pPr/>
-              <a:t>26/05/2013</a:t>
+              <a:t>30/05/2013</a:t>
             </a:fld>
             <a:endParaRPr lang="pt-BR"/>
           </a:p>
@@ -596,7 +598,7 @@
             <a:fld id="{106B4C27-9D84-455E-BCC2-81755D482C45}" type="datetimeFigureOut">
               <a:rPr lang="pt-BR" smtClean="0"/>
               <a:pPr/>
-              <a:t>26/05/2013</a:t>
+              <a:t>30/05/2013</a:t>
             </a:fld>
             <a:endParaRPr lang="pt-BR"/>
           </a:p>
@@ -878,7 +880,7 @@
             <a:fld id="{106B4C27-9D84-455E-BCC2-81755D482C45}" type="datetimeFigureOut">
               <a:rPr lang="pt-BR" smtClean="0"/>
               <a:pPr/>
-              <a:t>26/05/2013</a:t>
+              <a:t>30/05/2013</a:t>
             </a:fld>
             <a:endParaRPr lang="pt-BR"/>
           </a:p>
@@ -1059,7 +1061,7 @@
             <a:fld id="{106B4C27-9D84-455E-BCC2-81755D482C45}" type="datetimeFigureOut">
               <a:rPr lang="pt-BR" smtClean="0"/>
               <a:pPr/>
-              <a:t>26/05/2013</a:t>
+              <a:t>30/05/2013</a:t>
             </a:fld>
             <a:endParaRPr lang="pt-BR"/>
           </a:p>
@@ -1419,7 +1421,7 @@
             <a:fld id="{106B4C27-9D84-455E-BCC2-81755D482C45}" type="datetimeFigureOut">
               <a:rPr lang="pt-BR" smtClean="0"/>
               <a:pPr/>
-              <a:t>26/05/2013</a:t>
+              <a:t>30/05/2013</a:t>
             </a:fld>
             <a:endParaRPr lang="pt-BR"/>
           </a:p>
@@ -1708,7 +1710,7 @@
             <a:fld id="{106B4C27-9D84-455E-BCC2-81755D482C45}" type="datetimeFigureOut">
               <a:rPr lang="pt-BR" smtClean="0"/>
               <a:pPr/>
-              <a:t>26/05/2013</a:t>
+              <a:t>30/05/2013</a:t>
             </a:fld>
             <a:endParaRPr lang="pt-BR"/>
           </a:p>
@@ -2132,7 +2134,7 @@
             <a:fld id="{106B4C27-9D84-455E-BCC2-81755D482C45}" type="datetimeFigureOut">
               <a:rPr lang="pt-BR" smtClean="0"/>
               <a:pPr/>
-              <a:t>26/05/2013</a:t>
+              <a:t>30/05/2013</a:t>
             </a:fld>
             <a:endParaRPr lang="pt-BR"/>
           </a:p>
@@ -2249,7 +2251,7 @@
             <a:fld id="{106B4C27-9D84-455E-BCC2-81755D482C45}" type="datetimeFigureOut">
               <a:rPr lang="pt-BR" smtClean="0"/>
               <a:pPr/>
-              <a:t>26/05/2013</a:t>
+              <a:t>30/05/2013</a:t>
             </a:fld>
             <a:endParaRPr lang="pt-BR"/>
           </a:p>
@@ -2341,7 +2343,7 @@
             <a:fld id="{106B4C27-9D84-455E-BCC2-81755D482C45}" type="datetimeFigureOut">
               <a:rPr lang="pt-BR" smtClean="0"/>
               <a:pPr/>
-              <a:t>26/05/2013</a:t>
+              <a:t>30/05/2013</a:t>
             </a:fld>
             <a:endParaRPr lang="pt-BR"/>
           </a:p>
@@ -2621,7 +2623,7 @@
             <a:fld id="{106B4C27-9D84-455E-BCC2-81755D482C45}" type="datetimeFigureOut">
               <a:rPr lang="pt-BR" smtClean="0"/>
               <a:pPr/>
-              <a:t>26/05/2013</a:t>
+              <a:t>30/05/2013</a:t>
             </a:fld>
             <a:endParaRPr lang="pt-BR"/>
           </a:p>
@@ -2989,7 +2991,7 @@
             <a:fld id="{106B4C27-9D84-455E-BCC2-81755D482C45}" type="datetimeFigureOut">
               <a:rPr lang="pt-BR" smtClean="0"/>
               <a:pPr/>
-              <a:t>26/05/2013</a:t>
+              <a:t>30/05/2013</a:t>
             </a:fld>
             <a:endParaRPr lang="pt-BR"/>
           </a:p>
@@ -3428,7 +3430,7 @@
             <a:fld id="{106B4C27-9D84-455E-BCC2-81755D482C45}" type="datetimeFigureOut">
               <a:rPr lang="pt-BR" smtClean="0"/>
               <a:pPr/>
-              <a:t>26/05/2013</a:t>
+              <a:t>30/05/2013</a:t>
             </a:fld>
             <a:endParaRPr lang="pt-BR"/>
           </a:p>
@@ -4823,31 +4825,6 @@
       </p:grpSpPr>
       <p:sp>
         <p:nvSpPr>
-          <p:cNvPr id="2" name="Título 1"/>
-          <p:cNvSpPr>
-            <a:spLocks noGrp="1"/>
-          </p:cNvSpPr>
-          <p:nvPr>
-            <p:ph type="title"/>
-          </p:nvPr>
-        </p:nvSpPr>
-        <p:spPr/>
-        <p:txBody>
-          <a:bodyPr>
-            <a:normAutofit/>
-          </a:bodyPr>
-          <a:lstStyle/>
-          <a:p>
-            <a:r>
-              <a:rPr lang="pt-BR" sz="4800" dirty="0" smtClean="0"/>
-              <a:t>Focando no CodeIgniter ...</a:t>
-            </a:r>
-            <a:endParaRPr lang="pt-BR" dirty="0"/>
-          </a:p>
-        </p:txBody>
-      </p:sp>
-      <p:sp>
-        <p:nvSpPr>
           <p:cNvPr id="4" name="CaixaDeTexto 3"/>
           <p:cNvSpPr txBox="1"/>
           <p:nvPr/>
@@ -4877,6 +4854,279 @@
           </a:p>
         </p:txBody>
       </p:sp>
+    </p:spTree>
+  </p:cSld>
+  <p:clrMapOvr>
+    <a:masterClrMapping/>
+  </p:clrMapOvr>
+  <p:timing>
+    <p:tnLst>
+      <p:par>
+        <p:cTn id="1" dur="indefinite" restart="never" nodeType="tmRoot"/>
+      </p:par>
+    </p:tnLst>
+  </p:timing>
+</p:sld>
+</file>
+
+<file path=ppt/slides/slide17.xml><?xml version="1.0" encoding="utf-8"?>
+<p:sld xmlns:a="http://schemas.openxmlformats.org/drawingml/2006/main" xmlns:r="http://schemas.openxmlformats.org/officeDocument/2006/relationships" xmlns:p="http://schemas.openxmlformats.org/presentationml/2006/main">
+  <p:cSld>
+    <p:spTree>
+      <p:nvGrpSpPr>
+        <p:cNvPr id="1" name=""/>
+        <p:cNvGrpSpPr/>
+        <p:nvPr/>
+      </p:nvGrpSpPr>
+      <p:grpSpPr>
+        <a:xfrm>
+          <a:off x="0" y="0"/>
+          <a:ext cx="0" cy="0"/>
+          <a:chOff x="0" y="0"/>
+          <a:chExt cx="0" cy="0"/>
+        </a:xfrm>
+      </p:grpSpPr>
+      <p:sp>
+        <p:nvSpPr>
+          <p:cNvPr id="2" name="Título 1"/>
+          <p:cNvSpPr>
+            <a:spLocks noGrp="1"/>
+          </p:cNvSpPr>
+          <p:nvPr>
+            <p:ph type="title"/>
+          </p:nvPr>
+        </p:nvSpPr>
+        <p:spPr/>
+        <p:txBody>
+          <a:bodyPr>
+            <a:normAutofit/>
+          </a:bodyPr>
+          <a:lstStyle/>
+          <a:p>
+            <a:r>
+              <a:rPr lang="pt-BR" sz="4800" dirty="0" smtClean="0"/>
+              <a:t>Requistos </a:t>
+            </a:r>
+            <a:endParaRPr lang="pt-BR" dirty="0"/>
+          </a:p>
+        </p:txBody>
+      </p:sp>
+      <p:sp>
+        <p:nvSpPr>
+          <p:cNvPr id="4" name="CaixaDeTexto 3"/>
+          <p:cNvSpPr txBox="1"/>
+          <p:nvPr/>
+        </p:nvSpPr>
+        <p:spPr>
+          <a:xfrm>
+            <a:off x="251520" y="2636912"/>
+            <a:ext cx="8712968" cy="3539430"/>
+          </a:xfrm>
+          <a:prstGeom prst="rect">
+            <a:avLst/>
+          </a:prstGeom>
+          <a:noFill/>
+        </p:spPr>
+        <p:txBody>
+          <a:bodyPr wrap="square" rtlCol="0">
+            <a:spAutoFit/>
+          </a:bodyPr>
+          <a:lstStyle/>
+          <a:p>
+            <a:pPr algn="ctr"/>
+            <a:r>
+              <a:rPr lang="pt-BR" sz="3200" dirty="0" smtClean="0"/>
+              <a:t>WAMP </a:t>
+            </a:r>
+            <a:r>
+              <a:rPr lang="pt-BR" sz="3200" dirty="0" smtClean="0"/>
+              <a:t>OU LAMP </a:t>
+            </a:r>
+            <a:endParaRPr lang="pt-BR" sz="3200" dirty="0" smtClean="0"/>
+          </a:p>
+          <a:p>
+            <a:pPr algn="ctr"/>
+            <a:r>
+              <a:rPr lang="pt-BR" sz="3200" dirty="0" smtClean="0"/>
+              <a:t>(</a:t>
+            </a:r>
+            <a:r>
+              <a:rPr lang="pt-BR" sz="3200" dirty="0" smtClean="0">
+                <a:hlinkClick r:id="rId2"/>
+              </a:rPr>
+              <a:t>http://</a:t>
+            </a:r>
+            <a:r>
+              <a:rPr lang="pt-BR" sz="3200" dirty="0" smtClean="0">
+                <a:hlinkClick r:id="rId2"/>
+              </a:rPr>
+              <a:t>www.wampserver.com</a:t>
+            </a:r>
+            <a:r>
+              <a:rPr lang="pt-BR" sz="3200" dirty="0" smtClean="0"/>
+              <a:t>)</a:t>
+            </a:r>
+          </a:p>
+          <a:p>
+            <a:pPr algn="ctr"/>
+            <a:r>
+              <a:rPr lang="pt-BR" sz="3200" dirty="0" smtClean="0"/>
+              <a:t>CODEIGNITER  </a:t>
+            </a:r>
+            <a:r>
+              <a:rPr lang="pt-BR" sz="3200" dirty="0" smtClean="0"/>
+              <a:t>+ TWITTER BOOTSTRAP (</a:t>
+            </a:r>
+            <a:r>
+              <a:rPr lang="pt-BR" sz="3200" dirty="0" smtClean="0">
+                <a:hlinkClick r:id="rId3"/>
+              </a:rPr>
+              <a:t>https</a:t>
+            </a:r>
+            <a:r>
+              <a:rPr lang="pt-BR" sz="3200" dirty="0" smtClean="0">
+                <a:hlinkClick r:id="rId3"/>
+              </a:rPr>
+              <a:t>://</a:t>
+            </a:r>
+            <a:r>
+              <a:rPr lang="pt-BR" sz="3200" dirty="0" smtClean="0">
+                <a:hlinkClick r:id="rId3"/>
+              </a:rPr>
+              <a:t>github.com/sjlu/CodeIgniter-Bootstrap</a:t>
+            </a:r>
+            <a:r>
+              <a:rPr lang="pt-BR" sz="3200" dirty="0" smtClean="0"/>
+              <a:t>)</a:t>
+            </a:r>
+          </a:p>
+          <a:p>
+            <a:pPr algn="ctr"/>
+            <a:r>
+              <a:rPr lang="pt-BR" sz="3200" dirty="0" smtClean="0"/>
+              <a:t>JQUERY </a:t>
+            </a:r>
+            <a:endParaRPr lang="pt-BR" sz="3200" dirty="0" smtClean="0"/>
+          </a:p>
+          <a:p>
+            <a:pPr algn="ctr"/>
+            <a:r>
+              <a:rPr lang="pt-BR" sz="3200" dirty="0" smtClean="0"/>
+              <a:t>(</a:t>
+            </a:r>
+            <a:r>
+              <a:rPr lang="pt-BR" sz="3200" dirty="0" smtClean="0">
+                <a:hlinkClick r:id="rId4"/>
+              </a:rPr>
+              <a:t>http://jquery.com</a:t>
+            </a:r>
+            <a:r>
+              <a:rPr lang="pt-BR" sz="3200" dirty="0" smtClean="0">
+                <a:hlinkClick r:id="rId4"/>
+              </a:rPr>
+              <a:t>/</a:t>
+            </a:r>
+            <a:r>
+              <a:rPr lang="pt-BR" sz="3200" dirty="0" smtClean="0"/>
+              <a:t>)</a:t>
+            </a:r>
+            <a:endParaRPr lang="pt-BR" sz="3200" dirty="0" smtClean="0"/>
+          </a:p>
+          <a:p>
+            <a:pPr algn="ctr"/>
+            <a:endParaRPr lang="pt-BR" sz="3200" dirty="0"/>
+          </a:p>
+        </p:txBody>
+      </p:sp>
+    </p:spTree>
+  </p:cSld>
+  <p:clrMapOvr>
+    <a:masterClrMapping/>
+  </p:clrMapOvr>
+  <p:timing>
+    <p:tnLst>
+      <p:par>
+        <p:cTn id="1" dur="indefinite" restart="never" nodeType="tmRoot"/>
+      </p:par>
+    </p:tnLst>
+  </p:timing>
+</p:sld>
+</file>
+
+<file path=ppt/slides/slide18.xml><?xml version="1.0" encoding="utf-8"?>
+<p:sld xmlns:a="http://schemas.openxmlformats.org/drawingml/2006/main" xmlns:r="http://schemas.openxmlformats.org/officeDocument/2006/relationships" xmlns:p="http://schemas.openxmlformats.org/presentationml/2006/main">
+  <p:cSld>
+    <p:spTree>
+      <p:nvGrpSpPr>
+        <p:cNvPr id="1" name=""/>
+        <p:cNvGrpSpPr/>
+        <p:nvPr/>
+      </p:nvGrpSpPr>
+      <p:grpSpPr>
+        <a:xfrm>
+          <a:off x="0" y="0"/>
+          <a:ext cx="0" cy="0"/>
+          <a:chOff x="0" y="0"/>
+          <a:chExt cx="0" cy="0"/>
+        </a:xfrm>
+      </p:grpSpPr>
+      <p:sp>
+        <p:nvSpPr>
+          <p:cNvPr id="2" name="Título 1"/>
+          <p:cNvSpPr>
+            <a:spLocks noGrp="1"/>
+          </p:cNvSpPr>
+          <p:nvPr>
+            <p:ph type="title"/>
+          </p:nvPr>
+        </p:nvSpPr>
+        <p:spPr/>
+        <p:txBody>
+          <a:bodyPr>
+            <a:normAutofit/>
+          </a:bodyPr>
+          <a:lstStyle/>
+          <a:p>
+            <a:r>
+              <a:rPr lang="pt-BR" sz="4800" dirty="0" smtClean="0"/>
+              <a:t>Mini sistema de vendas </a:t>
+            </a:r>
+            <a:endParaRPr lang="pt-BR" dirty="0"/>
+          </a:p>
+        </p:txBody>
+      </p:sp>
+      <p:pic>
+        <p:nvPicPr>
+          <p:cNvPr id="1027" name="Picture 3"/>
+          <p:cNvPicPr>
+            <a:picLocks noChangeAspect="1" noChangeArrowheads="1"/>
+          </p:cNvPicPr>
+          <p:nvPr/>
+        </p:nvPicPr>
+        <p:blipFill>
+          <a:blip r:embed="rId2" cstate="print"/>
+          <a:srcRect/>
+          <a:stretch>
+            <a:fillRect/>
+          </a:stretch>
+        </p:blipFill>
+        <p:spPr bwMode="auto">
+          <a:xfrm>
+            <a:off x="827584" y="1628800"/>
+            <a:ext cx="7581900" cy="4981575"/>
+          </a:xfrm>
+          <a:prstGeom prst="rect">
+            <a:avLst/>
+          </a:prstGeom>
+          <a:noFill/>
+          <a:ln w="9525">
+            <a:noFill/>
+            <a:miter lim="800000"/>
+            <a:headEnd/>
+            <a:tailEnd/>
+          </a:ln>
+        </p:spPr>
+      </p:pic>
     </p:spTree>
   </p:cSld>
   <p:clrMapOvr>

--- a/assets/artefatos/Mini curso - Codeigniter.pptx
+++ b/assets/artefatos/Mini curso - Codeigniter.pptx
@@ -21,8 +21,8 @@
     <p:sldId id="269" r:id="rId15"/>
     <p:sldId id="270" r:id="rId16"/>
     <p:sldId id="271" r:id="rId17"/>
-    <p:sldId id="272" r:id="rId18"/>
-    <p:sldId id="273" r:id="rId19"/>
+    <p:sldId id="273" r:id="rId18"/>
+    <p:sldId id="272" r:id="rId19"/>
   </p:sldIdLst>
   <p:sldSz cx="9144000" cy="6858000" type="screen4x3"/>
   <p:notesSz cx="6858000" cy="9144000"/>
@@ -4181,7 +4181,7 @@
         </p:blipFill>
         <p:spPr bwMode="auto">
           <a:xfrm>
-            <a:off x="6588224" y="4902671"/>
+            <a:off x="6731446" y="4902671"/>
             <a:ext cx="2305050" cy="638175"/>
           </a:xfrm>
           <a:prstGeom prst="rect">
@@ -4213,7 +4213,7 @@
         </p:blipFill>
         <p:spPr bwMode="auto">
           <a:xfrm>
-            <a:off x="5508104" y="4676750"/>
+            <a:off x="5795342" y="4676750"/>
             <a:ext cx="864096" cy="1056506"/>
           </a:xfrm>
           <a:prstGeom prst="rect">
@@ -4226,6 +4226,32 @@
             <a:headEnd/>
             <a:tailEnd/>
           </a:ln>
+        </p:spPr>
+      </p:pic>
+      <p:pic>
+        <p:nvPicPr>
+          <p:cNvPr id="9218" name="Picture 2" descr="Yii Logo"/>
+          <p:cNvPicPr>
+            <a:picLocks noChangeAspect="1" noChangeArrowheads="1"/>
+          </p:cNvPicPr>
+          <p:nvPr/>
+        </p:nvPicPr>
+        <p:blipFill>
+          <a:blip r:embed="rId7" cstate="print"/>
+          <a:srcRect/>
+          <a:stretch>
+            <a:fillRect/>
+          </a:stretch>
+        </p:blipFill>
+        <p:spPr bwMode="auto">
+          <a:xfrm>
+            <a:off x="2987824" y="4869160"/>
+            <a:ext cx="2705100" cy="609600"/>
+          </a:xfrm>
+          <a:prstGeom prst="rect">
+            <a:avLst/>
+          </a:prstGeom>
+          <a:noFill/>
         </p:spPr>
       </p:pic>
     </p:spTree>
@@ -4329,7 +4355,19 @@
           <a:p>
             <a:r>
               <a:rPr lang="pt-BR" dirty="0" smtClean="0"/>
-              <a:t>Existem livros sobre alguns deles</a:t>
+              <a:t>Existem livros sobre </a:t>
+            </a:r>
+            <a:r>
+              <a:rPr lang="pt-BR" dirty="0" smtClean="0"/>
+              <a:t>a maioria</a:t>
+            </a:r>
+            <a:r>
+              <a:rPr lang="pt-BR" dirty="0" smtClean="0"/>
+              <a:t> </a:t>
+            </a:r>
+            <a:r>
+              <a:rPr lang="pt-BR" dirty="0" smtClean="0"/>
+              <a:t>deles</a:t>
             </a:r>
           </a:p>
           <a:p>
@@ -4905,139 +4943,44 @@
           <a:p>
             <a:r>
               <a:rPr lang="pt-BR" sz="4800" dirty="0" smtClean="0"/>
-              <a:t>Requistos </a:t>
+              <a:t>Mini sistema de vendas </a:t>
             </a:r>
             <a:endParaRPr lang="pt-BR" dirty="0"/>
           </a:p>
         </p:txBody>
       </p:sp>
-      <p:sp>
-        <p:nvSpPr>
-          <p:cNvPr id="4" name="CaixaDeTexto 3"/>
-          <p:cNvSpPr txBox="1"/>
+      <p:pic>
+        <p:nvPicPr>
+          <p:cNvPr id="1027" name="Picture 3"/>
+          <p:cNvPicPr>
+            <a:picLocks noChangeAspect="1" noChangeArrowheads="1"/>
+          </p:cNvPicPr>
           <p:nvPr/>
-        </p:nvSpPr>
-        <p:spPr>
+        </p:nvPicPr>
+        <p:blipFill>
+          <a:blip r:embed="rId2" cstate="print"/>
+          <a:srcRect/>
+          <a:stretch>
+            <a:fillRect/>
+          </a:stretch>
+        </p:blipFill>
+        <p:spPr bwMode="auto">
           <a:xfrm>
-            <a:off x="251520" y="2636912"/>
-            <a:ext cx="8712968" cy="3539430"/>
+            <a:off x="827584" y="1628800"/>
+            <a:ext cx="7581900" cy="4981575"/>
           </a:xfrm>
           <a:prstGeom prst="rect">
             <a:avLst/>
           </a:prstGeom>
           <a:noFill/>
+          <a:ln w="9525">
+            <a:noFill/>
+            <a:miter lim="800000"/>
+            <a:headEnd/>
+            <a:tailEnd/>
+          </a:ln>
         </p:spPr>
-        <p:txBody>
-          <a:bodyPr wrap="square" rtlCol="0">
-            <a:spAutoFit/>
-          </a:bodyPr>
-          <a:lstStyle/>
-          <a:p>
-            <a:pPr algn="ctr"/>
-            <a:r>
-              <a:rPr lang="pt-BR" sz="3200" dirty="0" smtClean="0"/>
-              <a:t>WAMP </a:t>
-            </a:r>
-            <a:r>
-              <a:rPr lang="pt-BR" sz="3200" dirty="0" smtClean="0"/>
-              <a:t>OU LAMP </a:t>
-            </a:r>
-            <a:endParaRPr lang="pt-BR" sz="3200" dirty="0" smtClean="0"/>
-          </a:p>
-          <a:p>
-            <a:pPr algn="ctr"/>
-            <a:r>
-              <a:rPr lang="pt-BR" sz="3200" dirty="0" smtClean="0"/>
-              <a:t>(</a:t>
-            </a:r>
-            <a:r>
-              <a:rPr lang="pt-BR" sz="3200" dirty="0" smtClean="0">
-                <a:hlinkClick r:id="rId2"/>
-              </a:rPr>
-              <a:t>http://</a:t>
-            </a:r>
-            <a:r>
-              <a:rPr lang="pt-BR" sz="3200" dirty="0" smtClean="0">
-                <a:hlinkClick r:id="rId2"/>
-              </a:rPr>
-              <a:t>www.wampserver.com</a:t>
-            </a:r>
-            <a:r>
-              <a:rPr lang="pt-BR" sz="3200" dirty="0" smtClean="0"/>
-              <a:t>)</a:t>
-            </a:r>
-          </a:p>
-          <a:p>
-            <a:pPr algn="ctr"/>
-            <a:r>
-              <a:rPr lang="pt-BR" sz="3200" dirty="0" smtClean="0"/>
-              <a:t>CODEIGNITER  </a:t>
-            </a:r>
-            <a:r>
-              <a:rPr lang="pt-BR" sz="3200" dirty="0" smtClean="0"/>
-              <a:t>+ TWITTER BOOTSTRAP (</a:t>
-            </a:r>
-            <a:r>
-              <a:rPr lang="pt-BR" sz="3200" dirty="0" smtClean="0">
-                <a:hlinkClick r:id="rId3"/>
-              </a:rPr>
-              <a:t>https</a:t>
-            </a:r>
-            <a:r>
-              <a:rPr lang="pt-BR" sz="3200" dirty="0" smtClean="0">
-                <a:hlinkClick r:id="rId3"/>
-              </a:rPr>
-              <a:t>://</a:t>
-            </a:r>
-            <a:r>
-              <a:rPr lang="pt-BR" sz="3200" dirty="0" smtClean="0">
-                <a:hlinkClick r:id="rId3"/>
-              </a:rPr>
-              <a:t>github.com/sjlu/CodeIgniter-Bootstrap</a:t>
-            </a:r>
-            <a:r>
-              <a:rPr lang="pt-BR" sz="3200" dirty="0" smtClean="0"/>
-              <a:t>)</a:t>
-            </a:r>
-          </a:p>
-          <a:p>
-            <a:pPr algn="ctr"/>
-            <a:r>
-              <a:rPr lang="pt-BR" sz="3200" dirty="0" smtClean="0"/>
-              <a:t>JQUERY </a:t>
-            </a:r>
-            <a:endParaRPr lang="pt-BR" sz="3200" dirty="0" smtClean="0"/>
-          </a:p>
-          <a:p>
-            <a:pPr algn="ctr"/>
-            <a:r>
-              <a:rPr lang="pt-BR" sz="3200" dirty="0" smtClean="0"/>
-              <a:t>(</a:t>
-            </a:r>
-            <a:r>
-              <a:rPr lang="pt-BR" sz="3200" dirty="0" smtClean="0">
-                <a:hlinkClick r:id="rId4"/>
-              </a:rPr>
-              <a:t>http://jquery.com</a:t>
-            </a:r>
-            <a:r>
-              <a:rPr lang="pt-BR" sz="3200" dirty="0" smtClean="0">
-                <a:hlinkClick r:id="rId4"/>
-              </a:rPr>
-              <a:t>/</a:t>
-            </a:r>
-            <a:r>
-              <a:rPr lang="pt-BR" sz="3200" dirty="0" smtClean="0"/>
-              <a:t>)</a:t>
-            </a:r>
-            <a:endParaRPr lang="pt-BR" sz="3200" dirty="0" smtClean="0"/>
-          </a:p>
-          <a:p>
-            <a:pPr algn="ctr"/>
-            <a:endParaRPr lang="pt-BR" sz="3200" dirty="0"/>
-          </a:p>
-        </p:txBody>
-      </p:sp>
+      </p:pic>
     </p:spTree>
   </p:cSld>
   <p:clrMapOvr>
@@ -5089,44 +5032,139 @@
           <a:p>
             <a:r>
               <a:rPr lang="pt-BR" sz="4800" dirty="0" smtClean="0"/>
-              <a:t>Mini sistema de vendas </a:t>
+              <a:t>Requistos </a:t>
             </a:r>
             <a:endParaRPr lang="pt-BR" dirty="0"/>
           </a:p>
         </p:txBody>
       </p:sp>
-      <p:pic>
-        <p:nvPicPr>
-          <p:cNvPr id="1027" name="Picture 3"/>
-          <p:cNvPicPr>
-            <a:picLocks noChangeAspect="1" noChangeArrowheads="1"/>
-          </p:cNvPicPr>
+      <p:sp>
+        <p:nvSpPr>
+          <p:cNvPr id="4" name="CaixaDeTexto 3"/>
+          <p:cNvSpPr txBox="1"/>
           <p:nvPr/>
-        </p:nvPicPr>
-        <p:blipFill>
-          <a:blip r:embed="rId2" cstate="print"/>
-          <a:srcRect/>
-          <a:stretch>
-            <a:fillRect/>
-          </a:stretch>
-        </p:blipFill>
-        <p:spPr bwMode="auto">
+        </p:nvSpPr>
+        <p:spPr>
           <a:xfrm>
-            <a:off x="827584" y="1628800"/>
-            <a:ext cx="7581900" cy="4981575"/>
+            <a:off x="251520" y="2636912"/>
+            <a:ext cx="8712968" cy="3539430"/>
           </a:xfrm>
           <a:prstGeom prst="rect">
             <a:avLst/>
           </a:prstGeom>
           <a:noFill/>
-          <a:ln w="9525">
-            <a:noFill/>
-            <a:miter lim="800000"/>
-            <a:headEnd/>
-            <a:tailEnd/>
-          </a:ln>
         </p:spPr>
-      </p:pic>
+        <p:txBody>
+          <a:bodyPr wrap="square" rtlCol="0">
+            <a:spAutoFit/>
+          </a:bodyPr>
+          <a:lstStyle/>
+          <a:p>
+            <a:pPr algn="ctr"/>
+            <a:r>
+              <a:rPr lang="pt-BR" sz="3200" dirty="0" smtClean="0"/>
+              <a:t>WAMP </a:t>
+            </a:r>
+            <a:r>
+              <a:rPr lang="pt-BR" sz="3200" dirty="0" smtClean="0"/>
+              <a:t>OU LAMP </a:t>
+            </a:r>
+            <a:endParaRPr lang="pt-BR" sz="3200" dirty="0" smtClean="0"/>
+          </a:p>
+          <a:p>
+            <a:pPr algn="ctr"/>
+            <a:r>
+              <a:rPr lang="pt-BR" sz="3200" dirty="0" smtClean="0"/>
+              <a:t>(</a:t>
+            </a:r>
+            <a:r>
+              <a:rPr lang="pt-BR" sz="3200" dirty="0" smtClean="0">
+                <a:hlinkClick r:id="rId2"/>
+              </a:rPr>
+              <a:t>http://</a:t>
+            </a:r>
+            <a:r>
+              <a:rPr lang="pt-BR" sz="3200" dirty="0" smtClean="0">
+                <a:hlinkClick r:id="rId2"/>
+              </a:rPr>
+              <a:t>www.wampserver.com</a:t>
+            </a:r>
+            <a:r>
+              <a:rPr lang="pt-BR" sz="3200" dirty="0" smtClean="0"/>
+              <a:t>)</a:t>
+            </a:r>
+          </a:p>
+          <a:p>
+            <a:pPr algn="ctr"/>
+            <a:r>
+              <a:rPr lang="pt-BR" sz="3200" dirty="0" smtClean="0"/>
+              <a:t>CODEIGNITER  </a:t>
+            </a:r>
+            <a:r>
+              <a:rPr lang="pt-BR" sz="3200" dirty="0" smtClean="0"/>
+              <a:t>+ TWITTER BOOTSTRAP (</a:t>
+            </a:r>
+            <a:r>
+              <a:rPr lang="pt-BR" sz="3200" dirty="0" smtClean="0">
+                <a:hlinkClick r:id="rId3"/>
+              </a:rPr>
+              <a:t>https</a:t>
+            </a:r>
+            <a:r>
+              <a:rPr lang="pt-BR" sz="3200" dirty="0" smtClean="0">
+                <a:hlinkClick r:id="rId3"/>
+              </a:rPr>
+              <a:t>://</a:t>
+            </a:r>
+            <a:r>
+              <a:rPr lang="pt-BR" sz="3200" dirty="0" smtClean="0">
+                <a:hlinkClick r:id="rId3"/>
+              </a:rPr>
+              <a:t>github.com/sjlu/CodeIgniter-Bootstrap</a:t>
+            </a:r>
+            <a:r>
+              <a:rPr lang="pt-BR" sz="3200" dirty="0" smtClean="0"/>
+              <a:t>)</a:t>
+            </a:r>
+          </a:p>
+          <a:p>
+            <a:pPr algn="ctr"/>
+            <a:r>
+              <a:rPr lang="pt-BR" sz="3200" dirty="0" smtClean="0"/>
+              <a:t>JQUERY </a:t>
+            </a:r>
+            <a:endParaRPr lang="pt-BR" sz="3200" dirty="0" smtClean="0"/>
+          </a:p>
+          <a:p>
+            <a:pPr algn="ctr"/>
+            <a:r>
+              <a:rPr lang="pt-BR" sz="3200" dirty="0" smtClean="0"/>
+              <a:t>(</a:t>
+            </a:r>
+            <a:r>
+              <a:rPr lang="pt-BR" sz="3200" dirty="0" smtClean="0">
+                <a:hlinkClick r:id="rId4"/>
+              </a:rPr>
+              <a:t>http://jquery.com</a:t>
+            </a:r>
+            <a:r>
+              <a:rPr lang="pt-BR" sz="3200" dirty="0" smtClean="0">
+                <a:hlinkClick r:id="rId4"/>
+              </a:rPr>
+              <a:t>/</a:t>
+            </a:r>
+            <a:r>
+              <a:rPr lang="pt-BR" sz="3200" dirty="0" smtClean="0"/>
+              <a:t>)</a:t>
+            </a:r>
+            <a:endParaRPr lang="pt-BR" sz="3200" dirty="0" smtClean="0"/>
+          </a:p>
+          <a:p>
+            <a:pPr algn="ctr"/>
+            <a:endParaRPr lang="pt-BR" sz="3200" dirty="0"/>
+          </a:p>
+        </p:txBody>
+      </p:sp>
     </p:spTree>
   </p:cSld>
   <p:clrMapOvr>
@@ -5897,26 +5935,6 @@
             <a:r>
               <a:rPr lang="pt-BR" b="1" dirty="0" smtClean="0"/>
               <a:t> </a:t>
-            </a:r>
-            <a:r>
-              <a:rPr lang="pt-BR" sz="2400" b="1" dirty="0" smtClean="0"/>
-              <a:t>(até 2010 eu ainda </a:t>
-            </a:r>
-            <a:r>
-              <a:rPr lang="pt-BR" sz="2400" b="1" dirty="0" err="1" smtClean="0"/>
-              <a:t>debugava</a:t>
-            </a:r>
-            <a:r>
-              <a:rPr lang="pt-BR" sz="2400" b="1" dirty="0" smtClean="0"/>
-              <a:t> com </a:t>
-            </a:r>
-            <a:r>
-              <a:rPr lang="pt-BR" sz="2400" b="1" dirty="0" err="1" smtClean="0"/>
-              <a:t>var_dump</a:t>
-            </a:r>
-            <a:r>
-              <a:rPr lang="pt-BR" sz="2400" b="1" dirty="0" smtClean="0"/>
-              <a:t>)</a:t>
             </a:r>
             <a:endParaRPr lang="pt-BR" b="1" dirty="0" smtClean="0"/>
           </a:p>
